--- a/overlay-network-srx/media/network-diagram.pptx
+++ b/overlay-network-srx/media/network-diagram.pptx
@@ -7,6 +7,7 @@
   <p:sldIdLst>
     <p:sldId id="259" r:id="rId2"/>
     <p:sldId id="260" r:id="rId3"/>
+    <p:sldId id="261" r:id="rId4"/>
   </p:sldIdLst>
   <p:sldSz cx="12192000" cy="6858000"/>
   <p:notesSz cx="6858000" cy="9144000"/>
@@ -10663,6 +10664,759 @@
 </p:sld>
 </file>
 
+<file path=ppt/slides/slide3.xml><?xml version="1.0" encoding="utf-8"?>
+<p:sld xmlns:a="http://schemas.openxmlformats.org/drawingml/2006/main" xmlns:r="http://schemas.openxmlformats.org/officeDocument/2006/relationships" xmlns:p="http://schemas.openxmlformats.org/presentationml/2006/main">
+  <p:cSld>
+    <p:spTree>
+      <p:nvGrpSpPr>
+        <p:cNvPr id="1" name=""/>
+        <p:cNvGrpSpPr/>
+        <p:nvPr/>
+      </p:nvGrpSpPr>
+      <p:grpSpPr>
+        <a:xfrm>
+          <a:off x="0" y="0"/>
+          <a:ext cx="0" cy="0"/>
+          <a:chOff x="0" y="0"/>
+          <a:chExt cx="0" cy="0"/>
+        </a:xfrm>
+      </p:grpSpPr>
+      <p:pic>
+        <p:nvPicPr>
+          <p:cNvPr id="5" name="Picture 4">
+            <a:extLst>
+              <a:ext uri="{FF2B5EF4-FFF2-40B4-BE49-F238E27FC236}">
+                <a16:creationId xmlns:a16="http://schemas.microsoft.com/office/drawing/2014/main" id="{811930CA-18E5-4A10-84DA-E139504FFA1C}"/>
+              </a:ext>
+            </a:extLst>
+          </p:cNvPr>
+          <p:cNvPicPr>
+            <a:picLocks noChangeAspect="1"/>
+          </p:cNvPicPr>
+          <p:nvPr/>
+        </p:nvPicPr>
+        <p:blipFill>
+          <a:blip r:embed="rId2"/>
+          <a:stretch>
+            <a:fillRect/>
+          </a:stretch>
+        </p:blipFill>
+        <p:spPr>
+          <a:xfrm>
+            <a:off x="3391120" y="2741700"/>
+            <a:ext cx="486528" cy="646172"/>
+          </a:xfrm>
+          <a:prstGeom prst="rect">
+            <a:avLst/>
+          </a:prstGeom>
+          <a:ln>
+            <a:solidFill>
+              <a:schemeClr val="accent1"/>
+            </a:solidFill>
+          </a:ln>
+        </p:spPr>
+      </p:pic>
+      <p:sp>
+        <p:nvSpPr>
+          <p:cNvPr id="6" name="TextBox 5">
+            <a:extLst>
+              <a:ext uri="{FF2B5EF4-FFF2-40B4-BE49-F238E27FC236}">
+                <a16:creationId xmlns:a16="http://schemas.microsoft.com/office/drawing/2014/main" id="{E848A639-3463-4CD1-8876-7126DA6E09AA}"/>
+              </a:ext>
+            </a:extLst>
+          </p:cNvPr>
+          <p:cNvSpPr txBox="1"/>
+          <p:nvPr/>
+        </p:nvSpPr>
+        <p:spPr>
+          <a:xfrm>
+            <a:off x="3000840" y="1201138"/>
+            <a:ext cx="934871" cy="369332"/>
+          </a:xfrm>
+          <a:prstGeom prst="rect">
+            <a:avLst/>
+          </a:prstGeom>
+          <a:noFill/>
+        </p:spPr>
+        <p:txBody>
+          <a:bodyPr wrap="none" rtlCol="0">
+            <a:spAutoFit/>
+          </a:bodyPr>
+          <a:lstStyle/>
+          <a:p>
+            <a:r>
+              <a:rPr lang="en-US" noProof="1"/>
+              <a:t>init.json</a:t>
+            </a:r>
+          </a:p>
+        </p:txBody>
+      </p:sp>
+      <p:cxnSp>
+        <p:nvCxnSpPr>
+          <p:cNvPr id="8" name="Straight Arrow Connector 7">
+            <a:extLst>
+              <a:ext uri="{FF2B5EF4-FFF2-40B4-BE49-F238E27FC236}">
+                <a16:creationId xmlns:a16="http://schemas.microsoft.com/office/drawing/2014/main" id="{75B5E302-CC56-460A-B6CA-454EF6521867}"/>
+              </a:ext>
+            </a:extLst>
+          </p:cNvPr>
+          <p:cNvCxnSpPr>
+            <a:cxnSpLocks/>
+          </p:cNvCxnSpPr>
+          <p:nvPr/>
+        </p:nvCxnSpPr>
+        <p:spPr>
+          <a:xfrm flipH="1">
+            <a:off x="3870665" y="1926454"/>
+            <a:ext cx="1606856" cy="0"/>
+          </a:xfrm>
+          <a:prstGeom prst="straightConnector1">
+            <a:avLst/>
+          </a:prstGeom>
+          <a:ln>
+            <a:tailEnd type="triangle"/>
+          </a:ln>
+        </p:spPr>
+        <p:style>
+          <a:lnRef idx="1">
+            <a:schemeClr val="accent1"/>
+          </a:lnRef>
+          <a:fillRef idx="0">
+            <a:schemeClr val="accent1"/>
+          </a:fillRef>
+          <a:effectRef idx="0">
+            <a:schemeClr val="accent1"/>
+          </a:effectRef>
+          <a:fontRef idx="minor">
+            <a:schemeClr val="tx1"/>
+          </a:fontRef>
+        </p:style>
+      </p:cxnSp>
+      <p:pic>
+        <p:nvPicPr>
+          <p:cNvPr id="9" name="Picture 8">
+            <a:extLst>
+              <a:ext uri="{FF2B5EF4-FFF2-40B4-BE49-F238E27FC236}">
+                <a16:creationId xmlns:a16="http://schemas.microsoft.com/office/drawing/2014/main" id="{191AA269-745D-4F5C-91EB-E4160F921E68}"/>
+              </a:ext>
+            </a:extLst>
+          </p:cNvPr>
+          <p:cNvPicPr>
+            <a:picLocks noChangeAspect="1"/>
+          </p:cNvPicPr>
+          <p:nvPr/>
+        </p:nvPicPr>
+        <p:blipFill>
+          <a:blip r:embed="rId3" cstate="print">
+            <a:extLst>
+              <a:ext uri="{BEBA8EAE-BF5A-486C-A8C5-ECC9F3942E4B}">
+                <a14:imgProps xmlns:a14="http://schemas.microsoft.com/office/drawing/2010/main">
+                  <a14:imgLayer r:embed="rId4">
+                    <a14:imgEffect>
+                      <a14:brightnessContrast bright="20000"/>
+                    </a14:imgEffect>
+                  </a14:imgLayer>
+                </a14:imgProps>
+              </a:ext>
+              <a:ext uri="{28A0092B-C50C-407E-A947-70E740481C1C}">
+                <a14:useLocalDpi xmlns:a14="http://schemas.microsoft.com/office/drawing/2010/main" val="0"/>
+              </a:ext>
+            </a:extLst>
+          </a:blip>
+          <a:stretch>
+            <a:fillRect/>
+          </a:stretch>
+        </p:blipFill>
+        <p:spPr>
+          <a:xfrm>
+            <a:off x="3223504" y="1563302"/>
+            <a:ext cx="684905" cy="684905"/>
+          </a:xfrm>
+          <a:prstGeom prst="rect">
+            <a:avLst/>
+          </a:prstGeom>
+        </p:spPr>
+      </p:pic>
+      <p:sp>
+        <p:nvSpPr>
+          <p:cNvPr id="11" name="TextBox 10">
+            <a:extLst>
+              <a:ext uri="{FF2B5EF4-FFF2-40B4-BE49-F238E27FC236}">
+                <a16:creationId xmlns:a16="http://schemas.microsoft.com/office/drawing/2014/main" id="{37E103D3-B872-4328-AAE9-C48ED543C92C}"/>
+              </a:ext>
+            </a:extLst>
+          </p:cNvPr>
+          <p:cNvSpPr txBox="1"/>
+          <p:nvPr/>
+        </p:nvSpPr>
+        <p:spPr>
+          <a:xfrm>
+            <a:off x="3085772" y="2383338"/>
+            <a:ext cx="1097223" cy="369332"/>
+          </a:xfrm>
+          <a:prstGeom prst="rect">
+            <a:avLst/>
+          </a:prstGeom>
+          <a:noFill/>
+        </p:spPr>
+        <p:txBody>
+          <a:bodyPr wrap="none" rtlCol="0">
+            <a:spAutoFit/>
+          </a:bodyPr>
+          <a:lstStyle/>
+          <a:p>
+            <a:r>
+              <a:rPr lang="en-US" noProof="1"/>
+              <a:t>siteA.json</a:t>
+            </a:r>
+          </a:p>
+        </p:txBody>
+      </p:sp>
+      <p:cxnSp>
+        <p:nvCxnSpPr>
+          <p:cNvPr id="12" name="Straight Arrow Connector 11">
+            <a:extLst>
+              <a:ext uri="{FF2B5EF4-FFF2-40B4-BE49-F238E27FC236}">
+                <a16:creationId xmlns:a16="http://schemas.microsoft.com/office/drawing/2014/main" id="{89FC382D-0A03-4FB8-AED6-DDDA4BBCA541}"/>
+              </a:ext>
+            </a:extLst>
+          </p:cNvPr>
+          <p:cNvCxnSpPr>
+            <a:cxnSpLocks/>
+          </p:cNvCxnSpPr>
+          <p:nvPr/>
+        </p:nvCxnSpPr>
+        <p:spPr>
+          <a:xfrm flipH="1">
+            <a:off x="4121791" y="2269091"/>
+            <a:ext cx="1232927" cy="447237"/>
+          </a:xfrm>
+          <a:prstGeom prst="straightConnector1">
+            <a:avLst/>
+          </a:prstGeom>
+          <a:ln>
+            <a:tailEnd type="triangle"/>
+          </a:ln>
+        </p:spPr>
+        <p:style>
+          <a:lnRef idx="1">
+            <a:schemeClr val="accent1"/>
+          </a:lnRef>
+          <a:fillRef idx="0">
+            <a:schemeClr val="accent1"/>
+          </a:fillRef>
+          <a:effectRef idx="0">
+            <a:schemeClr val="accent1"/>
+          </a:effectRef>
+          <a:fontRef idx="minor">
+            <a:schemeClr val="tx1"/>
+          </a:fontRef>
+        </p:style>
+      </p:cxnSp>
+      <p:cxnSp>
+        <p:nvCxnSpPr>
+          <p:cNvPr id="16" name="Straight Arrow Connector 15">
+            <a:extLst>
+              <a:ext uri="{FF2B5EF4-FFF2-40B4-BE49-F238E27FC236}">
+                <a16:creationId xmlns:a16="http://schemas.microsoft.com/office/drawing/2014/main" id="{961627C5-FDA5-4828-AB8F-BB4424A91AB2}"/>
+              </a:ext>
+            </a:extLst>
+          </p:cNvPr>
+          <p:cNvCxnSpPr>
+            <a:cxnSpLocks/>
+            <a:stCxn id="4" idx="3"/>
+          </p:cNvCxnSpPr>
+          <p:nvPr/>
+        </p:nvCxnSpPr>
+        <p:spPr>
+          <a:xfrm>
+            <a:off x="6383045" y="1899821"/>
+            <a:ext cx="807868" cy="0"/>
+          </a:xfrm>
+          <a:prstGeom prst="straightConnector1">
+            <a:avLst/>
+          </a:prstGeom>
+          <a:ln>
+            <a:tailEnd type="triangle"/>
+          </a:ln>
+        </p:spPr>
+        <p:style>
+          <a:lnRef idx="1">
+            <a:schemeClr val="accent1"/>
+          </a:lnRef>
+          <a:fillRef idx="0">
+            <a:schemeClr val="accent1"/>
+          </a:fillRef>
+          <a:effectRef idx="0">
+            <a:schemeClr val="accent1"/>
+          </a:effectRef>
+          <a:fontRef idx="minor">
+            <a:schemeClr val="tx1"/>
+          </a:fontRef>
+        </p:style>
+      </p:cxnSp>
+      <p:sp>
+        <p:nvSpPr>
+          <p:cNvPr id="19" name="Oval 18">
+            <a:extLst>
+              <a:ext uri="{FF2B5EF4-FFF2-40B4-BE49-F238E27FC236}">
+                <a16:creationId xmlns:a16="http://schemas.microsoft.com/office/drawing/2014/main" id="{4E9DD1AC-6B28-4C02-A0AC-A17EA0A50B11}"/>
+              </a:ext>
+            </a:extLst>
+          </p:cNvPr>
+          <p:cNvSpPr/>
+          <p:nvPr/>
+        </p:nvSpPr>
+        <p:spPr>
+          <a:xfrm>
+            <a:off x="4074850" y="1452951"/>
+            <a:ext cx="393763" cy="366963"/>
+          </a:xfrm>
+          <a:prstGeom prst="ellipse">
+            <a:avLst/>
+          </a:prstGeom>
+        </p:spPr>
+        <p:style>
+          <a:lnRef idx="2">
+            <a:schemeClr val="accent1">
+              <a:shade val="50000"/>
+            </a:schemeClr>
+          </a:lnRef>
+          <a:fillRef idx="1">
+            <a:schemeClr val="accent1"/>
+          </a:fillRef>
+          <a:effectRef idx="0">
+            <a:schemeClr val="accent1"/>
+          </a:effectRef>
+          <a:fontRef idx="minor">
+            <a:schemeClr val="lt1"/>
+          </a:fontRef>
+        </p:style>
+        <p:txBody>
+          <a:bodyPr rtlCol="0" anchor="ctr"/>
+          <a:lstStyle/>
+          <a:p>
+            <a:pPr algn="ctr"/>
+            <a:r>
+              <a:rPr lang="en-US" dirty="0"/>
+              <a:t>1</a:t>
+            </a:r>
+            <a:endParaRPr lang="en-GB" dirty="0"/>
+          </a:p>
+        </p:txBody>
+      </p:sp>
+      <p:sp>
+        <p:nvSpPr>
+          <p:cNvPr id="21" name="Oval 20">
+            <a:extLst>
+              <a:ext uri="{FF2B5EF4-FFF2-40B4-BE49-F238E27FC236}">
+                <a16:creationId xmlns:a16="http://schemas.microsoft.com/office/drawing/2014/main" id="{D8D55F92-9B2C-43BD-B2EE-1589FA85800E}"/>
+              </a:ext>
+            </a:extLst>
+          </p:cNvPr>
+          <p:cNvSpPr/>
+          <p:nvPr/>
+        </p:nvSpPr>
+        <p:spPr>
+          <a:xfrm>
+            <a:off x="4104627" y="2137910"/>
+            <a:ext cx="393763" cy="366963"/>
+          </a:xfrm>
+          <a:prstGeom prst="ellipse">
+            <a:avLst/>
+          </a:prstGeom>
+        </p:spPr>
+        <p:style>
+          <a:lnRef idx="2">
+            <a:schemeClr val="accent1">
+              <a:shade val="50000"/>
+            </a:schemeClr>
+          </a:lnRef>
+          <a:fillRef idx="1">
+            <a:schemeClr val="accent1"/>
+          </a:fillRef>
+          <a:effectRef idx="0">
+            <a:schemeClr val="accent1"/>
+          </a:effectRef>
+          <a:fontRef idx="minor">
+            <a:schemeClr val="lt1"/>
+          </a:fontRef>
+        </p:style>
+        <p:txBody>
+          <a:bodyPr rtlCol="0" anchor="ctr"/>
+          <a:lstStyle/>
+          <a:p>
+            <a:pPr algn="ctr"/>
+            <a:r>
+              <a:rPr lang="en-US" dirty="0"/>
+              <a:t>2</a:t>
+            </a:r>
+            <a:endParaRPr lang="en-GB" dirty="0"/>
+          </a:p>
+        </p:txBody>
+      </p:sp>
+      <p:sp>
+        <p:nvSpPr>
+          <p:cNvPr id="23" name="Oval 22">
+            <a:extLst>
+              <a:ext uri="{FF2B5EF4-FFF2-40B4-BE49-F238E27FC236}">
+                <a16:creationId xmlns:a16="http://schemas.microsoft.com/office/drawing/2014/main" id="{5CAE5605-04D7-4CE0-8002-357C2E1D3986}"/>
+              </a:ext>
+            </a:extLst>
+          </p:cNvPr>
+          <p:cNvSpPr/>
+          <p:nvPr/>
+        </p:nvSpPr>
+        <p:spPr>
+          <a:xfrm>
+            <a:off x="6492442" y="1452950"/>
+            <a:ext cx="393763" cy="366963"/>
+          </a:xfrm>
+          <a:prstGeom prst="ellipse">
+            <a:avLst/>
+          </a:prstGeom>
+        </p:spPr>
+        <p:style>
+          <a:lnRef idx="2">
+            <a:schemeClr val="accent1">
+              <a:shade val="50000"/>
+            </a:schemeClr>
+          </a:lnRef>
+          <a:fillRef idx="1">
+            <a:schemeClr val="accent1"/>
+          </a:fillRef>
+          <a:effectRef idx="0">
+            <a:schemeClr val="accent1"/>
+          </a:effectRef>
+          <a:fontRef idx="minor">
+            <a:schemeClr val="lt1"/>
+          </a:fontRef>
+        </p:style>
+        <p:txBody>
+          <a:bodyPr rtlCol="0" anchor="ctr"/>
+          <a:lstStyle/>
+          <a:p>
+            <a:pPr algn="ctr"/>
+            <a:r>
+              <a:rPr lang="en-US" dirty="0"/>
+              <a:t>3</a:t>
+            </a:r>
+            <a:endParaRPr lang="en-GB" dirty="0"/>
+          </a:p>
+        </p:txBody>
+      </p:sp>
+      <p:sp>
+        <p:nvSpPr>
+          <p:cNvPr id="25" name="Rectangle: Rounded Corners 24">
+            <a:extLst>
+              <a:ext uri="{FF2B5EF4-FFF2-40B4-BE49-F238E27FC236}">
+                <a16:creationId xmlns:a16="http://schemas.microsoft.com/office/drawing/2014/main" id="{81A505D6-7E06-4ACB-9A68-271E96AF2A33}"/>
+              </a:ext>
+            </a:extLst>
+          </p:cNvPr>
+          <p:cNvSpPr/>
+          <p:nvPr/>
+        </p:nvSpPr>
+        <p:spPr>
+          <a:xfrm>
+            <a:off x="7190913" y="1691076"/>
+            <a:ext cx="1793289" cy="1114262"/>
+          </a:xfrm>
+          <a:prstGeom prst="roundRect">
+            <a:avLst>
+              <a:gd name="adj" fmla="val 4948"/>
+            </a:avLst>
+          </a:prstGeom>
+          <a:ln>
+            <a:prstDash val="dash"/>
+          </a:ln>
+        </p:spPr>
+        <p:style>
+          <a:lnRef idx="1">
+            <a:schemeClr val="accent1"/>
+          </a:lnRef>
+          <a:fillRef idx="0">
+            <a:schemeClr val="accent1"/>
+          </a:fillRef>
+          <a:effectRef idx="0">
+            <a:schemeClr val="accent1"/>
+          </a:effectRef>
+          <a:fontRef idx="minor">
+            <a:schemeClr val="tx1"/>
+          </a:fontRef>
+        </p:style>
+        <p:txBody>
+          <a:bodyPr rtlCol="0" anchor="ctr"/>
+          <a:lstStyle/>
+          <a:p>
+            <a:pPr algn="ctr"/>
+            <a:endParaRPr lang="en-GB">
+              <a:solidFill>
+                <a:schemeClr val="tx1"/>
+              </a:solidFill>
+            </a:endParaRPr>
+          </a:p>
+        </p:txBody>
+      </p:sp>
+      <p:pic>
+        <p:nvPicPr>
+          <p:cNvPr id="18" name="Graphic 17">
+            <a:extLst>
+              <a:ext uri="{FF2B5EF4-FFF2-40B4-BE49-F238E27FC236}">
+                <a16:creationId xmlns:a16="http://schemas.microsoft.com/office/drawing/2014/main" id="{1D46B44D-3E0C-4388-948A-9CA4706CE6E1}"/>
+              </a:ext>
+            </a:extLst>
+          </p:cNvPr>
+          <p:cNvPicPr>
+            <a:picLocks noChangeAspect="1"/>
+          </p:cNvPicPr>
+          <p:nvPr/>
+        </p:nvPicPr>
+        <p:blipFill>
+          <a:blip r:embed="rId5">
+            <a:extLst>
+              <a:ext uri="{28A0092B-C50C-407E-A947-70E740481C1C}">
+                <a14:useLocalDpi xmlns:a14="http://schemas.microsoft.com/office/drawing/2010/main" val="0"/>
+              </a:ext>
+              <a:ext uri="{96DAC541-7B7A-43D3-8B79-37D633B846F1}">
+                <asvg:svgBlip xmlns:asvg="http://schemas.microsoft.com/office/drawing/2016/SVG/main" r:embed="rId6"/>
+              </a:ext>
+            </a:extLst>
+          </a:blip>
+          <a:stretch>
+            <a:fillRect/>
+          </a:stretch>
+        </p:blipFill>
+        <p:spPr>
+          <a:xfrm>
+            <a:off x="7217823" y="1385063"/>
+            <a:ext cx="476250" cy="476250"/>
+          </a:xfrm>
+          <a:prstGeom prst="rect">
+            <a:avLst/>
+          </a:prstGeom>
+        </p:spPr>
+      </p:pic>
+      <p:sp>
+        <p:nvSpPr>
+          <p:cNvPr id="26" name="TextBox 25">
+            <a:extLst>
+              <a:ext uri="{FF2B5EF4-FFF2-40B4-BE49-F238E27FC236}">
+                <a16:creationId xmlns:a16="http://schemas.microsoft.com/office/drawing/2014/main" id="{C92173CB-3752-4428-B682-43E0F91A5F68}"/>
+              </a:ext>
+            </a:extLst>
+          </p:cNvPr>
+          <p:cNvSpPr txBox="1"/>
+          <p:nvPr/>
+        </p:nvSpPr>
+        <p:spPr>
+          <a:xfrm>
+            <a:off x="7915735" y="1279975"/>
+            <a:ext cx="650243" cy="369332"/>
+          </a:xfrm>
+          <a:prstGeom prst="rect">
+            <a:avLst/>
+          </a:prstGeom>
+          <a:noFill/>
+        </p:spPr>
+        <p:txBody>
+          <a:bodyPr wrap="none" rtlCol="0">
+            <a:spAutoFit/>
+          </a:bodyPr>
+          <a:lstStyle/>
+          <a:p>
+            <a:r>
+              <a:rPr lang="en-US" dirty="0" err="1"/>
+              <a:t>siteA</a:t>
+            </a:r>
+            <a:endParaRPr lang="en-GB" dirty="0"/>
+          </a:p>
+        </p:txBody>
+      </p:sp>
+      <p:sp>
+        <p:nvSpPr>
+          <p:cNvPr id="4" name="Rectangle: Rounded Corners 3">
+            <a:extLst>
+              <a:ext uri="{FF2B5EF4-FFF2-40B4-BE49-F238E27FC236}">
+                <a16:creationId xmlns:a16="http://schemas.microsoft.com/office/drawing/2014/main" id="{FBA02217-85F0-45C9-880F-476CF806DF81}"/>
+              </a:ext>
+            </a:extLst>
+          </p:cNvPr>
+          <p:cNvSpPr/>
+          <p:nvPr/>
+        </p:nvSpPr>
+        <p:spPr>
+          <a:xfrm>
+            <a:off x="5202313" y="1526958"/>
+            <a:ext cx="1180732" cy="745725"/>
+          </a:xfrm>
+          <a:prstGeom prst="roundRect">
+            <a:avLst/>
+          </a:prstGeom>
+        </p:spPr>
+        <p:style>
+          <a:lnRef idx="2">
+            <a:schemeClr val="accent1">
+              <a:shade val="50000"/>
+            </a:schemeClr>
+          </a:lnRef>
+          <a:fillRef idx="1">
+            <a:schemeClr val="accent1"/>
+          </a:fillRef>
+          <a:effectRef idx="0">
+            <a:schemeClr val="accent1"/>
+          </a:effectRef>
+          <a:fontRef idx="minor">
+            <a:schemeClr val="lt1"/>
+          </a:fontRef>
+        </p:style>
+        <p:txBody>
+          <a:bodyPr rtlCol="0" anchor="ctr"/>
+          <a:lstStyle/>
+          <a:p>
+            <a:pPr algn="ctr"/>
+            <a:r>
+              <a:rPr lang="en-US" b="1" dirty="0"/>
+              <a:t>siteA.ps1</a:t>
+            </a:r>
+            <a:endParaRPr lang="en-GB" b="1" dirty="0"/>
+          </a:p>
+        </p:txBody>
+      </p:sp>
+    </p:spTree>
+    <p:extLst>
+      <p:ext uri="{BB962C8B-B14F-4D97-AF65-F5344CB8AC3E}">
+        <p14:creationId xmlns:p14="http://schemas.microsoft.com/office/powerpoint/2010/main" val="4076683189"/>
+      </p:ext>
+    </p:extLst>
+  </p:cSld>
+  <p:clrMapOvr>
+    <a:masterClrMapping/>
+  </p:clrMapOvr>
+  <p:timing>
+    <p:tnLst>
+      <p:par>
+        <p:cTn id="1" dur="indefinite" restart="never" nodeType="tmRoot">
+          <p:childTnLst>
+            <p:seq concurrent="1" nextAc="seek">
+              <p:cTn id="2" dur="indefinite" nodeType="mainSeq">
+                <p:childTnLst>
+                  <p:par>
+                    <p:cTn id="3" fill="hold">
+                      <p:stCondLst>
+                        <p:cond delay="indefinite"/>
+                        <p:cond evt="onBegin" delay="0">
+                          <p:tn val="2"/>
+                        </p:cond>
+                      </p:stCondLst>
+                      <p:childTnLst>
+                        <p:par>
+                          <p:cTn id="4" fill="hold">
+                            <p:stCondLst>
+                              <p:cond delay="0"/>
+                            </p:stCondLst>
+                            <p:childTnLst>
+                              <p:par>
+                                <p:cTn id="5" presetID="22" presetClass="entr" presetSubtype="4" fill="hold" nodeType="withEffect">
+                                  <p:stCondLst>
+                                    <p:cond delay="0"/>
+                                  </p:stCondLst>
+                                  <p:childTnLst>
+                                    <p:set>
+                                      <p:cBhvr>
+                                        <p:cTn id="6" dur="1" fill="hold">
+                                          <p:stCondLst>
+                                            <p:cond delay="0"/>
+                                          </p:stCondLst>
+                                        </p:cTn>
+                                        <p:tgtEl>
+                                          <p:spTgt spid="5"/>
+                                        </p:tgtEl>
+                                        <p:attrNameLst>
+                                          <p:attrName>style.visibility</p:attrName>
+                                        </p:attrNameLst>
+                                      </p:cBhvr>
+                                      <p:to>
+                                        <p:strVal val="visible"/>
+                                      </p:to>
+                                    </p:set>
+                                    <p:animEffect transition="in" filter="wipe(down)">
+                                      <p:cBhvr>
+                                        <p:cTn id="7" dur="500"/>
+                                        <p:tgtEl>
+                                          <p:spTgt spid="5"/>
+                                        </p:tgtEl>
+                                      </p:cBhvr>
+                                    </p:animEffect>
+                                  </p:childTnLst>
+                                </p:cTn>
+                              </p:par>
+                              <p:par>
+                                <p:cTn id="8" presetID="22" presetClass="entr" presetSubtype="4" fill="hold" nodeType="withEffect">
+                                  <p:stCondLst>
+                                    <p:cond delay="0"/>
+                                  </p:stCondLst>
+                                  <p:childTnLst>
+                                    <p:set>
+                                      <p:cBhvr>
+                                        <p:cTn id="9" dur="1" fill="hold">
+                                          <p:stCondLst>
+                                            <p:cond delay="0"/>
+                                          </p:stCondLst>
+                                        </p:cTn>
+                                        <p:tgtEl>
+                                          <p:spTgt spid="9"/>
+                                        </p:tgtEl>
+                                        <p:attrNameLst>
+                                          <p:attrName>style.visibility</p:attrName>
+                                        </p:attrNameLst>
+                                      </p:cBhvr>
+                                      <p:to>
+                                        <p:strVal val="visible"/>
+                                      </p:to>
+                                    </p:set>
+                                    <p:animEffect transition="in" filter="wipe(down)">
+                                      <p:cBhvr>
+                                        <p:cTn id="10" dur="500"/>
+                                        <p:tgtEl>
+                                          <p:spTgt spid="9"/>
+                                        </p:tgtEl>
+                                      </p:cBhvr>
+                                    </p:animEffect>
+                                  </p:childTnLst>
+                                </p:cTn>
+                              </p:par>
+                            </p:childTnLst>
+                          </p:cTn>
+                        </p:par>
+                      </p:childTnLst>
+                    </p:cTn>
+                  </p:par>
+                </p:childTnLst>
+              </p:cTn>
+              <p:prevCondLst>
+                <p:cond evt="onPrev" delay="0">
+                  <p:tgtEl>
+                    <p:sldTgt/>
+                  </p:tgtEl>
+                </p:cond>
+              </p:prevCondLst>
+              <p:nextCondLst>
+                <p:cond evt="onNext" delay="0">
+                  <p:tgtEl>
+                    <p:sldTgt/>
+                  </p:tgtEl>
+                </p:cond>
+              </p:nextCondLst>
+            </p:seq>
+          </p:childTnLst>
+        </p:cTn>
+      </p:par>
+    </p:tnLst>
+  </p:timing>
+</p:sld>
+</file>
+
 <file path=ppt/theme/theme1.xml><?xml version="1.0" encoding="utf-8"?>
 <a:theme xmlns:a="http://schemas.openxmlformats.org/drawingml/2006/main" name="Office Theme">
   <a:themeElements>
